--- a/progress.pptx
+++ b/progress.pptx
@@ -211,7 +211,7 @@
           <a:p>
             <a:fld id="{F35294EB-B879-4388-BE18-66D7BE3A17BC}" type="datetimeFigureOut">
               <a:rPr lang="ko-KR" altLang="en-US" smtClean="0"/>
-              <a:t>2024. 11. 20.</a:t>
+              <a:t>24-11-20(Wed)</a:t>
             </a:fld>
             <a:endParaRPr lang="ko-KR" altLang="en-US"/>
           </a:p>
@@ -961,7 +961,7 @@
           <a:p>
             <a:fld id="{903283D9-EC5E-4DBD-8858-F974A4934CD4}" type="datetimeFigureOut">
               <a:rPr lang="ko-KR" altLang="en-US" smtClean="0"/>
-              <a:t>2024. 11. 20.</a:t>
+              <a:t>24-11-20(Wed)</a:t>
             </a:fld>
             <a:endParaRPr lang="ko-KR" altLang="en-US"/>
           </a:p>
@@ -1159,7 +1159,7 @@
           <a:p>
             <a:fld id="{903283D9-EC5E-4DBD-8858-F974A4934CD4}" type="datetimeFigureOut">
               <a:rPr lang="ko-KR" altLang="en-US" smtClean="0"/>
-              <a:t>2024. 11. 20.</a:t>
+              <a:t>24-11-20(Wed)</a:t>
             </a:fld>
             <a:endParaRPr lang="ko-KR" altLang="en-US"/>
           </a:p>
@@ -1367,7 +1367,7 @@
           <a:p>
             <a:fld id="{903283D9-EC5E-4DBD-8858-F974A4934CD4}" type="datetimeFigureOut">
               <a:rPr lang="ko-KR" altLang="en-US" smtClean="0"/>
-              <a:t>2024. 11. 20.</a:t>
+              <a:t>24-11-20(Wed)</a:t>
             </a:fld>
             <a:endParaRPr lang="ko-KR" altLang="en-US"/>
           </a:p>
@@ -1565,7 +1565,7 @@
           <a:p>
             <a:fld id="{903283D9-EC5E-4DBD-8858-F974A4934CD4}" type="datetimeFigureOut">
               <a:rPr lang="ko-KR" altLang="en-US" smtClean="0"/>
-              <a:t>2024. 11. 20.</a:t>
+              <a:t>24-11-20(Wed)</a:t>
             </a:fld>
             <a:endParaRPr lang="ko-KR" altLang="en-US"/>
           </a:p>
@@ -1840,7 +1840,7 @@
           <a:p>
             <a:fld id="{903283D9-EC5E-4DBD-8858-F974A4934CD4}" type="datetimeFigureOut">
               <a:rPr lang="ko-KR" altLang="en-US" smtClean="0"/>
-              <a:t>2024. 11. 20.</a:t>
+              <a:t>24-11-20(Wed)</a:t>
             </a:fld>
             <a:endParaRPr lang="ko-KR" altLang="en-US"/>
           </a:p>
@@ -2105,7 +2105,7 @@
           <a:p>
             <a:fld id="{903283D9-EC5E-4DBD-8858-F974A4934CD4}" type="datetimeFigureOut">
               <a:rPr lang="ko-KR" altLang="en-US" smtClean="0"/>
-              <a:t>2024. 11. 20.</a:t>
+              <a:t>24-11-20(Wed)</a:t>
             </a:fld>
             <a:endParaRPr lang="ko-KR" altLang="en-US"/>
           </a:p>
@@ -2517,7 +2517,7 @@
           <a:p>
             <a:fld id="{903283D9-EC5E-4DBD-8858-F974A4934CD4}" type="datetimeFigureOut">
               <a:rPr lang="ko-KR" altLang="en-US" smtClean="0"/>
-              <a:t>2024. 11. 20.</a:t>
+              <a:t>24-11-20(Wed)</a:t>
             </a:fld>
             <a:endParaRPr lang="ko-KR" altLang="en-US"/>
           </a:p>
@@ -2658,7 +2658,7 @@
           <a:p>
             <a:fld id="{903283D9-EC5E-4DBD-8858-F974A4934CD4}" type="datetimeFigureOut">
               <a:rPr lang="ko-KR" altLang="en-US" smtClean="0"/>
-              <a:t>2024. 11. 20.</a:t>
+              <a:t>24-11-20(Wed)</a:t>
             </a:fld>
             <a:endParaRPr lang="ko-KR" altLang="en-US"/>
           </a:p>
@@ -2771,7 +2771,7 @@
           <a:p>
             <a:fld id="{903283D9-EC5E-4DBD-8858-F974A4934CD4}" type="datetimeFigureOut">
               <a:rPr lang="ko-KR" altLang="en-US" smtClean="0"/>
-              <a:t>2024. 11. 20.</a:t>
+              <a:t>24-11-20(Wed)</a:t>
             </a:fld>
             <a:endParaRPr lang="ko-KR" altLang="en-US"/>
           </a:p>
@@ -3082,7 +3082,7 @@
           <a:p>
             <a:fld id="{903283D9-EC5E-4DBD-8858-F974A4934CD4}" type="datetimeFigureOut">
               <a:rPr lang="ko-KR" altLang="en-US" smtClean="0"/>
-              <a:t>2024. 11. 20.</a:t>
+              <a:t>24-11-20(Wed)</a:t>
             </a:fld>
             <a:endParaRPr lang="ko-KR" altLang="en-US"/>
           </a:p>
@@ -3370,7 +3370,7 @@
           <a:p>
             <a:fld id="{903283D9-EC5E-4DBD-8858-F974A4934CD4}" type="datetimeFigureOut">
               <a:rPr lang="ko-KR" altLang="en-US" smtClean="0"/>
-              <a:t>2024. 11. 20.</a:t>
+              <a:t>24-11-20(Wed)</a:t>
             </a:fld>
             <a:endParaRPr lang="ko-KR" altLang="en-US"/>
           </a:p>
@@ -3611,7 +3611,7 @@
           <a:p>
             <a:fld id="{903283D9-EC5E-4DBD-8858-F974A4934CD4}" type="datetimeFigureOut">
               <a:rPr lang="ko-KR" altLang="en-US" smtClean="0"/>
-              <a:t>2024. 11. 20.</a:t>
+              <a:t>24-11-20(Wed)</a:t>
             </a:fld>
             <a:endParaRPr lang="ko-KR" altLang="en-US"/>
           </a:p>
@@ -7649,7 +7649,12 @@
             <p:ph idx="1"/>
           </p:nvPr>
         </p:nvSpPr>
-        <p:spPr/>
+        <p:spPr>
+          <a:xfrm>
+            <a:off x="838200" y="1825625"/>
+            <a:ext cx="7432040" cy="4351338"/>
+          </a:xfrm>
+        </p:spPr>
         <p:txBody>
           <a:bodyPr/>
           <a:lstStyle/>
@@ -7660,9 +7665,25 @@
             </a:r>
           </a:p>
           <a:p>
+            <a:endParaRPr kumimoji="1" lang="en-US" altLang="ko-KR" dirty="0"/>
+          </a:p>
+          <a:p>
             <a:r>
               <a:rPr kumimoji="1" lang="en-US" altLang="ko-KR" dirty="0"/>
-              <a:t>Starts with the master’s start signal (i.e. RPC with empty argument)</a:t>
+              <a:t>Starts with the master’s start signal </a:t>
+            </a:r>
+          </a:p>
+          <a:p>
+            <a:pPr marL="0" indent="0">
+              <a:buNone/>
+            </a:pPr>
+            <a:r>
+              <a:rPr kumimoji="1" lang="en-US" altLang="ko-KR" dirty="0"/>
+              <a:t>  </a:t>
+            </a:r>
+            <a:r>
+              <a:rPr kumimoji="1" lang="en-US" altLang="ko-KR" sz="2000" dirty="0"/>
+              <a:t>(i.e. RPC with empty argument)</a:t>
             </a:r>
           </a:p>
           <a:p>
@@ -7673,6 +7694,136 @@
           </a:p>
         </p:txBody>
       </p:sp>
+      <p:grpSp>
+        <p:nvGrpSpPr>
+          <p:cNvPr id="8" name="그룹 7">
+            <a:extLst>
+              <a:ext uri="{FF2B5EF4-FFF2-40B4-BE49-F238E27FC236}">
+                <a16:creationId xmlns:a16="http://schemas.microsoft.com/office/drawing/2014/main" id="{443DCB76-8C36-7AF8-4F9F-E54AF53745B0}"/>
+              </a:ext>
+            </a:extLst>
+          </p:cNvPr>
+          <p:cNvGrpSpPr/>
+          <p:nvPr/>
+        </p:nvGrpSpPr>
+        <p:grpSpPr>
+          <a:xfrm>
+            <a:off x="8697189" y="1297250"/>
+            <a:ext cx="2706988" cy="4320000"/>
+            <a:chOff x="8697189" y="1297250"/>
+            <a:chExt cx="2706988" cy="4320000"/>
+          </a:xfrm>
+        </p:grpSpPr>
+        <p:pic>
+          <p:nvPicPr>
+            <p:cNvPr id="5" name="그림 4">
+              <a:extLst>
+                <a:ext uri="{FF2B5EF4-FFF2-40B4-BE49-F238E27FC236}">
+                  <a16:creationId xmlns:a16="http://schemas.microsoft.com/office/drawing/2014/main" id="{47381B82-8499-E8E4-721E-9FA7E413AEE6}"/>
+                </a:ext>
+              </a:extLst>
+            </p:cNvPr>
+            <p:cNvPicPr>
+              <a:picLocks noChangeAspect="1"/>
+            </p:cNvPicPr>
+            <p:nvPr/>
+          </p:nvPicPr>
+          <p:blipFill>
+            <a:blip r:embed="rId2"/>
+            <a:stretch>
+              <a:fillRect/>
+            </a:stretch>
+          </p:blipFill>
+          <p:spPr>
+            <a:xfrm>
+              <a:off x="8697189" y="1297250"/>
+              <a:ext cx="2706988" cy="4320000"/>
+            </a:xfrm>
+            <a:prstGeom prst="rect">
+              <a:avLst/>
+            </a:prstGeom>
+            <a:ln>
+              <a:solidFill>
+                <a:schemeClr val="accent1"/>
+              </a:solidFill>
+            </a:ln>
+          </p:spPr>
+        </p:pic>
+        <p:sp>
+          <p:nvSpPr>
+            <p:cNvPr id="6" name="TextBox 5">
+              <a:extLst>
+                <a:ext uri="{FF2B5EF4-FFF2-40B4-BE49-F238E27FC236}">
+                  <a16:creationId xmlns:a16="http://schemas.microsoft.com/office/drawing/2014/main" id="{86B05E8C-94AA-B230-E6F2-C0FD4740EB96}"/>
+                </a:ext>
+              </a:extLst>
+            </p:cNvPr>
+            <p:cNvSpPr txBox="1"/>
+            <p:nvPr/>
+          </p:nvSpPr>
+          <p:spPr>
+            <a:xfrm>
+              <a:off x="9221821" y="1964984"/>
+              <a:ext cx="1692613" cy="307777"/>
+            </a:xfrm>
+            <a:prstGeom prst="rect">
+              <a:avLst/>
+            </a:prstGeom>
+            <a:noFill/>
+          </p:spPr>
+          <p:txBody>
+            <a:bodyPr wrap="square" rtlCol="0">
+              <a:spAutoFit/>
+            </a:bodyPr>
+            <a:lstStyle/>
+            <a:p>
+              <a:pPr algn="ctr"/>
+              <a:r>
+                <a:rPr lang="en-US" altLang="ko-KR" sz="1400" b="1" dirty="0"/>
+                <a:t>Master</a:t>
+              </a:r>
+              <a:endParaRPr lang="ko-KR" altLang="en-US" sz="1400" b="1" dirty="0"/>
+            </a:p>
+          </p:txBody>
+        </p:sp>
+        <p:sp>
+          <p:nvSpPr>
+            <p:cNvPr id="7" name="TextBox 6">
+              <a:extLst>
+                <a:ext uri="{FF2B5EF4-FFF2-40B4-BE49-F238E27FC236}">
+                  <a16:creationId xmlns:a16="http://schemas.microsoft.com/office/drawing/2014/main" id="{FD3F0576-9E92-077B-3F81-8DE21EE4407D}"/>
+                </a:ext>
+              </a:extLst>
+            </p:cNvPr>
+            <p:cNvSpPr txBox="1"/>
+            <p:nvPr/>
+          </p:nvSpPr>
+          <p:spPr>
+            <a:xfrm>
+              <a:off x="9221821" y="5027222"/>
+              <a:ext cx="1692613" cy="307777"/>
+            </a:xfrm>
+            <a:prstGeom prst="rect">
+              <a:avLst/>
+            </a:prstGeom>
+            <a:noFill/>
+          </p:spPr>
+          <p:txBody>
+            <a:bodyPr wrap="square" rtlCol="0">
+              <a:spAutoFit/>
+            </a:bodyPr>
+            <a:lstStyle/>
+            <a:p>
+              <a:pPr algn="ctr"/>
+              <a:r>
+                <a:rPr lang="en-US" altLang="ko-KR" sz="1400" b="1" dirty="0"/>
+                <a:t>Workers</a:t>
+              </a:r>
+              <a:endParaRPr lang="ko-KR" altLang="en-US" sz="1400" b="1" dirty="0"/>
+            </a:p>
+          </p:txBody>
+        </p:sp>
+      </p:grpSp>
     </p:spTree>
     <p:extLst>
       <p:ext uri="{BB962C8B-B14F-4D97-AF65-F5344CB8AC3E}">
@@ -7748,7 +7899,12 @@
             <p:ph idx="1"/>
           </p:nvPr>
         </p:nvSpPr>
-        <p:spPr/>
+        <p:spPr>
+          <a:xfrm>
+            <a:off x="838200" y="1825625"/>
+            <a:ext cx="8062609" cy="4351338"/>
+          </a:xfrm>
+        </p:spPr>
         <p:txBody>
           <a:bodyPr/>
           <a:lstStyle/>
@@ -7759,6 +7915,9 @@
             </a:r>
           </a:p>
           <a:p>
+            <a:endParaRPr kumimoji="1" lang="en-US" altLang="ko-KR" dirty="0"/>
+          </a:p>
+          <a:p>
             <a:r>
               <a:rPr kumimoji="1" lang="en-US" altLang="ko-KR" dirty="0"/>
               <a:t>Master calls remote procedure with the number of samples it wants</a:t>
@@ -7772,6 +7931,240 @@
           </a:p>
         </p:txBody>
       </p:sp>
+      <p:grpSp>
+        <p:nvGrpSpPr>
+          <p:cNvPr id="10" name="그룹 9">
+            <a:extLst>
+              <a:ext uri="{FF2B5EF4-FFF2-40B4-BE49-F238E27FC236}">
+                <a16:creationId xmlns:a16="http://schemas.microsoft.com/office/drawing/2014/main" id="{08BC2CB5-B199-BE6D-C1C4-BC8D21E857F8}"/>
+              </a:ext>
+            </a:extLst>
+          </p:cNvPr>
+          <p:cNvGrpSpPr/>
+          <p:nvPr/>
+        </p:nvGrpSpPr>
+        <p:grpSpPr>
+          <a:xfrm>
+            <a:off x="8531409" y="1278728"/>
+            <a:ext cx="2986062" cy="4320000"/>
+            <a:chOff x="8531409" y="1278728"/>
+            <a:chExt cx="2986062" cy="4320000"/>
+          </a:xfrm>
+        </p:grpSpPr>
+        <p:pic>
+          <p:nvPicPr>
+            <p:cNvPr id="5" name="그림 4">
+              <a:extLst>
+                <a:ext uri="{FF2B5EF4-FFF2-40B4-BE49-F238E27FC236}">
+                  <a16:creationId xmlns:a16="http://schemas.microsoft.com/office/drawing/2014/main" id="{EDEA829E-C4EB-1654-B6B2-20CEC1A0CCAD}"/>
+                </a:ext>
+              </a:extLst>
+            </p:cNvPr>
+            <p:cNvPicPr>
+              <a:picLocks noChangeAspect="1"/>
+            </p:cNvPicPr>
+            <p:nvPr/>
+          </p:nvPicPr>
+          <p:blipFill>
+            <a:blip r:embed="rId2"/>
+            <a:stretch>
+              <a:fillRect/>
+            </a:stretch>
+          </p:blipFill>
+          <p:spPr>
+            <a:xfrm>
+              <a:off x="8531409" y="1278728"/>
+              <a:ext cx="2986062" cy="4320000"/>
+            </a:xfrm>
+            <a:prstGeom prst="rect">
+              <a:avLst/>
+            </a:prstGeom>
+            <a:ln>
+              <a:solidFill>
+                <a:schemeClr val="accent1"/>
+              </a:solidFill>
+            </a:ln>
+          </p:spPr>
+        </p:pic>
+        <p:sp>
+          <p:nvSpPr>
+            <p:cNvPr id="6" name="TextBox 5">
+              <a:extLst>
+                <a:ext uri="{FF2B5EF4-FFF2-40B4-BE49-F238E27FC236}">
+                  <a16:creationId xmlns:a16="http://schemas.microsoft.com/office/drawing/2014/main" id="{2F71D8FC-21EF-BF07-2601-233B470BEE8B}"/>
+                </a:ext>
+              </a:extLst>
+            </p:cNvPr>
+            <p:cNvSpPr txBox="1"/>
+            <p:nvPr/>
+          </p:nvSpPr>
+          <p:spPr>
+            <a:xfrm>
+              <a:off x="9221821" y="1964984"/>
+              <a:ext cx="1692613" cy="307777"/>
+            </a:xfrm>
+            <a:prstGeom prst="rect">
+              <a:avLst/>
+            </a:prstGeom>
+            <a:noFill/>
+          </p:spPr>
+          <p:txBody>
+            <a:bodyPr wrap="square" rtlCol="0">
+              <a:spAutoFit/>
+            </a:bodyPr>
+            <a:lstStyle/>
+            <a:p>
+              <a:pPr algn="ctr"/>
+              <a:r>
+                <a:rPr lang="en-US" altLang="ko-KR" sz="1400" b="1" dirty="0"/>
+                <a:t>Master</a:t>
+              </a:r>
+              <a:endParaRPr lang="ko-KR" altLang="en-US" sz="1400" b="1" dirty="0"/>
+            </a:p>
+          </p:txBody>
+        </p:sp>
+        <p:sp>
+          <p:nvSpPr>
+            <p:cNvPr id="7" name="TextBox 6">
+              <a:extLst>
+                <a:ext uri="{FF2B5EF4-FFF2-40B4-BE49-F238E27FC236}">
+                  <a16:creationId xmlns:a16="http://schemas.microsoft.com/office/drawing/2014/main" id="{1AD50D8F-7B9E-B191-9F7E-AB4E62C19D22}"/>
+                </a:ext>
+              </a:extLst>
+            </p:cNvPr>
+            <p:cNvSpPr txBox="1"/>
+            <p:nvPr/>
+          </p:nvSpPr>
+          <p:spPr>
+            <a:xfrm>
+              <a:off x="9221821" y="5027222"/>
+              <a:ext cx="1692613" cy="307777"/>
+            </a:xfrm>
+            <a:prstGeom prst="rect">
+              <a:avLst/>
+            </a:prstGeom>
+            <a:noFill/>
+          </p:spPr>
+          <p:txBody>
+            <a:bodyPr wrap="square" rtlCol="0">
+              <a:spAutoFit/>
+            </a:bodyPr>
+            <a:lstStyle/>
+            <a:p>
+              <a:pPr algn="ctr"/>
+              <a:r>
+                <a:rPr lang="en-US" altLang="ko-KR" sz="1400" b="1" dirty="0"/>
+                <a:t>Workers</a:t>
+              </a:r>
+              <a:endParaRPr lang="ko-KR" altLang="en-US" sz="1400" b="1" dirty="0"/>
+            </a:p>
+          </p:txBody>
+        </p:sp>
+        <p:sp>
+          <p:nvSpPr>
+            <p:cNvPr id="8" name="직사각형 7">
+              <a:extLst>
+                <a:ext uri="{FF2B5EF4-FFF2-40B4-BE49-F238E27FC236}">
+                  <a16:creationId xmlns:a16="http://schemas.microsoft.com/office/drawing/2014/main" id="{E9A9E6BD-E48D-B65A-9AAC-04B46180363A}"/>
+                </a:ext>
+              </a:extLst>
+            </p:cNvPr>
+            <p:cNvSpPr/>
+            <p:nvPr/>
+          </p:nvSpPr>
+          <p:spPr>
+            <a:xfrm>
+              <a:off x="11284085" y="1964984"/>
+              <a:ext cx="233386" cy="214012"/>
+            </a:xfrm>
+            <a:prstGeom prst="rect">
+              <a:avLst/>
+            </a:prstGeom>
+            <a:solidFill>
+              <a:schemeClr val="bg1"/>
+            </a:solidFill>
+            <a:ln>
+              <a:noFill/>
+            </a:ln>
+          </p:spPr>
+          <p:style>
+            <a:lnRef idx="2">
+              <a:schemeClr val="accent1">
+                <a:shade val="15000"/>
+              </a:schemeClr>
+            </a:lnRef>
+            <a:fillRef idx="1">
+              <a:schemeClr val="accent1"/>
+            </a:fillRef>
+            <a:effectRef idx="0">
+              <a:schemeClr val="accent1"/>
+            </a:effectRef>
+            <a:fontRef idx="minor">
+              <a:schemeClr val="lt1"/>
+            </a:fontRef>
+          </p:style>
+          <p:txBody>
+            <a:bodyPr rtlCol="0" anchor="ctr"/>
+            <a:lstStyle/>
+            <a:p>
+              <a:pPr algn="ctr"/>
+              <a:endParaRPr lang="ko-KR" altLang="en-US"/>
+            </a:p>
+          </p:txBody>
+        </p:sp>
+        <p:sp>
+          <p:nvSpPr>
+            <p:cNvPr id="9" name="직사각형 8">
+              <a:extLst>
+                <a:ext uri="{FF2B5EF4-FFF2-40B4-BE49-F238E27FC236}">
+                  <a16:creationId xmlns:a16="http://schemas.microsoft.com/office/drawing/2014/main" id="{976AAAF7-F364-5B26-364F-F00DFAB2DC48}"/>
+                </a:ext>
+              </a:extLst>
+            </p:cNvPr>
+            <p:cNvSpPr/>
+            <p:nvPr/>
+          </p:nvSpPr>
+          <p:spPr>
+            <a:xfrm>
+              <a:off x="11284085" y="5074104"/>
+              <a:ext cx="233386" cy="214012"/>
+            </a:xfrm>
+            <a:prstGeom prst="rect">
+              <a:avLst/>
+            </a:prstGeom>
+            <a:solidFill>
+              <a:schemeClr val="bg1"/>
+            </a:solidFill>
+            <a:ln>
+              <a:noFill/>
+            </a:ln>
+          </p:spPr>
+          <p:style>
+            <a:lnRef idx="2">
+              <a:schemeClr val="accent1">
+                <a:shade val="15000"/>
+              </a:schemeClr>
+            </a:lnRef>
+            <a:fillRef idx="1">
+              <a:schemeClr val="accent1"/>
+            </a:fillRef>
+            <a:effectRef idx="0">
+              <a:schemeClr val="accent1"/>
+            </a:effectRef>
+            <a:fontRef idx="minor">
+              <a:schemeClr val="lt1"/>
+            </a:fontRef>
+          </p:style>
+          <p:txBody>
+            <a:bodyPr rtlCol="0" anchor="ctr"/>
+            <a:lstStyle/>
+            <a:p>
+              <a:pPr algn="ctr"/>
+              <a:endParaRPr lang="ko-KR" altLang="en-US"/>
+            </a:p>
+          </p:txBody>
+        </p:sp>
+      </p:grpSp>
     </p:spTree>
     <p:extLst>
       <p:ext uri="{BB962C8B-B14F-4D97-AF65-F5344CB8AC3E}">
